--- a/崇拜流程_version03.pptx
+++ b/崇拜流程_version03.pptx
@@ -253,7 +253,7 @@
           <a:p>
             <a:fld id="{2F30D4D0-EAC7-4980-A92D-C26C9148BA0F}" type="datetimeFigureOut">
               <a:rPr lang="zh-TW" altLang="en-US" smtClean="0"/>
-              <a:t>2021/6/15</a:t>
+              <a:t>2021/7/2</a:t>
             </a:fld>
             <a:endParaRPr lang="zh-TW" altLang="en-US"/>
           </a:p>
@@ -1043,7 +1043,7 @@
           <a:p>
             <a:fld id="{5BBEAD13-0566-4C6C-97E7-55F17F24B09F}" type="datetimeFigureOut">
               <a:rPr lang="zh-TW" altLang="en-US" smtClean="0"/>
-              <a:t>2021/6/15</a:t>
+              <a:t>2021/7/2</a:t>
             </a:fld>
             <a:endParaRPr lang="zh-TW" altLang="en-US"/>
           </a:p>
@@ -1208,7 +1208,7 @@
           <a:p>
             <a:fld id="{5BBEAD13-0566-4C6C-97E7-55F17F24B09F}" type="datetimeFigureOut">
               <a:rPr lang="zh-TW" altLang="en-US" smtClean="0"/>
-              <a:t>2021/6/15</a:t>
+              <a:t>2021/7/2</a:t>
             </a:fld>
             <a:endParaRPr lang="zh-TW" altLang="en-US"/>
           </a:p>
@@ -1383,7 +1383,7 @@
           <a:p>
             <a:fld id="{5BBEAD13-0566-4C6C-97E7-55F17F24B09F}" type="datetimeFigureOut">
               <a:rPr lang="zh-TW" altLang="en-US" smtClean="0"/>
-              <a:t>2021/6/15</a:t>
+              <a:t>2021/7/2</a:t>
             </a:fld>
             <a:endParaRPr lang="zh-TW" altLang="en-US"/>
           </a:p>
@@ -1548,7 +1548,7 @@
           <a:p>
             <a:fld id="{5BBEAD13-0566-4C6C-97E7-55F17F24B09F}" type="datetimeFigureOut">
               <a:rPr lang="zh-TW" altLang="en-US" smtClean="0"/>
-              <a:t>2021/6/15</a:t>
+              <a:t>2021/7/2</a:t>
             </a:fld>
             <a:endParaRPr lang="zh-TW" altLang="en-US"/>
           </a:p>
@@ -1789,7 +1789,7 @@
           <a:p>
             <a:fld id="{5BBEAD13-0566-4C6C-97E7-55F17F24B09F}" type="datetimeFigureOut">
               <a:rPr lang="zh-TW" altLang="en-US" smtClean="0"/>
-              <a:t>2021/6/15</a:t>
+              <a:t>2021/7/2</a:t>
             </a:fld>
             <a:endParaRPr lang="zh-TW" altLang="en-US"/>
           </a:p>
@@ -2072,7 +2072,7 @@
           <a:p>
             <a:fld id="{5BBEAD13-0566-4C6C-97E7-55F17F24B09F}" type="datetimeFigureOut">
               <a:rPr lang="zh-TW" altLang="en-US" smtClean="0"/>
-              <a:t>2021/6/15</a:t>
+              <a:t>2021/7/2</a:t>
             </a:fld>
             <a:endParaRPr lang="zh-TW" altLang="en-US"/>
           </a:p>
@@ -2489,7 +2489,7 @@
           <a:p>
             <a:fld id="{5BBEAD13-0566-4C6C-97E7-55F17F24B09F}" type="datetimeFigureOut">
               <a:rPr lang="zh-TW" altLang="en-US" smtClean="0"/>
-              <a:t>2021/6/15</a:t>
+              <a:t>2021/7/2</a:t>
             </a:fld>
             <a:endParaRPr lang="zh-TW" altLang="en-US"/>
           </a:p>
@@ -2602,7 +2602,7 @@
           <a:p>
             <a:fld id="{5BBEAD13-0566-4C6C-97E7-55F17F24B09F}" type="datetimeFigureOut">
               <a:rPr lang="zh-TW" altLang="en-US" smtClean="0"/>
-              <a:t>2021/6/15</a:t>
+              <a:t>2021/7/2</a:t>
             </a:fld>
             <a:endParaRPr lang="zh-TW" altLang="en-US"/>
           </a:p>
@@ -2692,7 +2692,7 @@
           <a:p>
             <a:fld id="{5BBEAD13-0566-4C6C-97E7-55F17F24B09F}" type="datetimeFigureOut">
               <a:rPr lang="zh-TW" altLang="en-US" smtClean="0"/>
-              <a:t>2021/6/15</a:t>
+              <a:t>2021/7/2</a:t>
             </a:fld>
             <a:endParaRPr lang="zh-TW" altLang="en-US"/>
           </a:p>
@@ -2964,7 +2964,7 @@
           <a:p>
             <a:fld id="{5BBEAD13-0566-4C6C-97E7-55F17F24B09F}" type="datetimeFigureOut">
               <a:rPr lang="zh-TW" altLang="en-US" smtClean="0"/>
-              <a:t>2021/6/15</a:t>
+              <a:t>2021/7/2</a:t>
             </a:fld>
             <a:endParaRPr lang="zh-TW" altLang="en-US"/>
           </a:p>
@@ -3216,7 +3216,7 @@
           <a:p>
             <a:fld id="{5BBEAD13-0566-4C6C-97E7-55F17F24B09F}" type="datetimeFigureOut">
               <a:rPr lang="zh-TW" altLang="en-US" smtClean="0"/>
-              <a:t>2021/6/15</a:t>
+              <a:t>2021/7/2</a:t>
             </a:fld>
             <a:endParaRPr lang="zh-TW" altLang="en-US"/>
           </a:p>
@@ -3429,7 +3429,7 @@
           <a:p>
             <a:fld id="{5BBEAD13-0566-4C6C-97E7-55F17F24B09F}" type="datetimeFigureOut">
               <a:rPr lang="zh-TW" altLang="en-US" smtClean="0"/>
-              <a:t>2021/6/15</a:t>
+              <a:t>2021/7/2</a:t>
             </a:fld>
             <a:endParaRPr lang="zh-TW" altLang="en-US"/>
           </a:p>
@@ -5452,7 +5452,7 @@
         </p:nvSpPr>
         <p:spPr>
           <a:xfrm>
-            <a:off x="0" y="1995686"/>
+            <a:off x="0" y="2067694"/>
             <a:ext cx="9144000" cy="857250"/>
           </a:xfrm>
         </p:spPr>
@@ -9345,7 +9345,7 @@
                 </a:solidFill>
                 <a:effectLst>
                   <a:glow rad="101600">
-                    <a:schemeClr val="accent1">
+                    <a:schemeClr val="accent6">
                       <a:satMod val="175000"/>
                       <a:alpha val="40000"/>
                     </a:schemeClr>
@@ -9368,7 +9368,7 @@
               </a:solidFill>
               <a:effectLst>
                 <a:glow rad="101600">
-                  <a:schemeClr val="accent1">
+                  <a:schemeClr val="accent6">
                     <a:satMod val="175000"/>
                     <a:alpha val="40000"/>
                   </a:schemeClr>
